--- a/Prezentacja nr1.pptx
+++ b/Prezentacja nr1.pptx
@@ -110,6 +110,11 @@
       </a:defRPr>
     </a:lvl9pPr>
   </p:defaultTextStyle>
+  <p:extLst>
+    <p:ext uri="{EFAFB233-063F-42B5-8137-9DF3F51BA10A}">
+      <p15:sldGuideLst xmlns:p15="http://schemas.microsoft.com/office/powerpoint/2012/main"/>
+    </p:ext>
+  </p:extLst>
 </p:presentation>
 </file>
 
@@ -516,7 +521,7 @@
           <a:p>
             <a:fld id="{83284890-85D2-4D7B-8EF5-15A9C1DB8F42}" type="datetimeFigureOut">
               <a:rPr lang="en-US" dirty="0"/>
-              <a:t>4/25/2016</a:t>
+              <a:t>4/26/2016</a:t>
             </a:fld>
             <a:endParaRPr lang="en-US" dirty="0"/>
           </a:p>
@@ -691,7 +696,7 @@
           <a:p>
             <a:fld id="{87157CC2-0FC8-4686-B024-99790E0F5162}" type="datetimeFigureOut">
               <a:rPr lang="en-US" dirty="0"/>
-              <a:t>4/25/2016</a:t>
+              <a:t>4/26/2016</a:t>
             </a:fld>
             <a:endParaRPr lang="en-US" dirty="0"/>
           </a:p>
@@ -866,7 +871,7 @@
           <a:p>
             <a:fld id="{F6764DA5-CD3D-4590-A511-FCD3BC7A793E}" type="datetimeFigureOut">
               <a:rPr lang="en-US" dirty="0"/>
-              <a:t>4/25/2016</a:t>
+              <a:t>4/26/2016</a:t>
             </a:fld>
             <a:endParaRPr lang="en-US" dirty="0"/>
           </a:p>
@@ -1031,7 +1036,7 @@
           <a:p>
             <a:fld id="{82F5661D-6934-4B32-B92C-470368BF1EC6}" type="datetimeFigureOut">
               <a:rPr lang="en-US" dirty="0"/>
-              <a:t>4/25/2016</a:t>
+              <a:t>4/26/2016</a:t>
             </a:fld>
             <a:endParaRPr lang="en-US" dirty="0"/>
           </a:p>
@@ -1339,7 +1344,7 @@
           <a:p>
             <a:fld id="{C6F822A4-8DA6-4447-9B1F-C5DB58435268}" type="datetimeFigureOut">
               <a:rPr lang="en-US" dirty="0"/>
-              <a:t>4/25/2016</a:t>
+              <a:t>4/26/2016</a:t>
             </a:fld>
             <a:endParaRPr lang="en-US" dirty="0"/>
           </a:p>
@@ -1721,7 +1726,7 @@
           <a:p>
             <a:fld id="{E548D31E-DCDA-41A7-9C67-C4B11B94D21D}" type="datetimeFigureOut">
               <a:rPr lang="en-US" dirty="0"/>
-              <a:t>4/25/2016</a:t>
+              <a:t>4/26/2016</a:t>
             </a:fld>
             <a:endParaRPr lang="en-US" dirty="0"/>
           </a:p>
@@ -2150,7 +2155,7 @@
           <a:p>
             <a:fld id="{9B3762C0-B258-48F1-ADE6-176B4174CCDD}" type="datetimeFigureOut">
               <a:rPr lang="en-US" dirty="0"/>
-              <a:t>4/25/2016</a:t>
+              <a:t>4/26/2016</a:t>
             </a:fld>
             <a:endParaRPr lang="en-US" dirty="0"/>
           </a:p>
@@ -2263,7 +2268,7 @@
           <a:p>
             <a:fld id="{677919A6-33EB-49BD-A62F-1FA56B9F9712}" type="datetimeFigureOut">
               <a:rPr lang="en-US" dirty="0"/>
-              <a:t>4/25/2016</a:t>
+              <a:t>4/26/2016</a:t>
             </a:fld>
             <a:endParaRPr lang="en-US" dirty="0"/>
           </a:p>
@@ -2353,7 +2358,7 @@
           <a:p>
             <a:fld id="{CA4E7D1B-D673-4CF6-8672-009D42ABD2A0}" type="datetimeFigureOut">
               <a:rPr lang="en-US" dirty="0"/>
-              <a:t>4/25/2016</a:t>
+              <a:t>4/26/2016</a:t>
             </a:fld>
             <a:endParaRPr lang="en-US" dirty="0"/>
           </a:p>
@@ -2698,7 +2703,7 @@
           <a:p>
             <a:fld id="{DA16AA21-1863-4931-97CB-99D0A168701B}" type="datetimeFigureOut">
               <a:rPr lang="en-US" dirty="0"/>
-              <a:t>4/25/2016</a:t>
+              <a:t>4/26/2016</a:t>
             </a:fld>
             <a:endParaRPr lang="en-US" dirty="0"/>
           </a:p>
@@ -3118,7 +3123,7 @@
           <a:p>
             <a:fld id="{3772C379-9A7C-4C87-A116-CBE9F58B04C5}" type="datetimeFigureOut">
               <a:rPr lang="en-US" dirty="0"/>
-              <a:t>4/25/2016</a:t>
+              <a:t>4/26/2016</a:t>
             </a:fld>
             <a:endParaRPr lang="en-US" dirty="0"/>
           </a:p>
@@ -3394,7 +3399,7 @@
           <a:p>
             <a:fld id="{8664C608-40B1-4030-A28D-5B74BC98ADCE}" type="datetimeFigureOut">
               <a:rPr lang="en-US" dirty="0"/>
-              <a:t>4/25/2016</a:t>
+              <a:t>4/26/2016</a:t>
             </a:fld>
             <a:endParaRPr lang="en-US" dirty="0"/>
           </a:p>
@@ -4102,7 +4107,6 @@
               <a:rPr lang="pl-PL" dirty="0"/>
               <a:t>powinien automatycznie wykrywać typ formatu wejściowego oraz ew. błędne dane. Domyślnie generowane są wszystkie pozostałe formaty, możliwość wybrania konkretnego formatu docelowego.</a:t>
             </a:r>
-            <a:endParaRPr lang="pl-PL" dirty="0"/>
           </a:p>
         </p:txBody>
       </p:sp>
@@ -4956,8 +4960,33 @@
             <a:pPr lvl="1"/>
             <a:r>
               <a:rPr lang="pl-PL" dirty="0" smtClean="0"/>
-              <a:t>Nagłówek wejściowy niezmienny ,,wędrujący,, między formatami</a:t>
-            </a:r>
+              <a:t>Nagłówek </a:t>
+            </a:r>
+            <a:r>
+              <a:rPr lang="pl-PL" dirty="0" smtClean="0"/>
+              <a:t>po znaku ”&gt;” zawiera tytuł oraz po kropce odpowiednie rozszerzenie (.</a:t>
+            </a:r>
+            <a:r>
+              <a:rPr lang="pl-PL" dirty="0" err="1" smtClean="0"/>
+              <a:t>bpseq</a:t>
+            </a:r>
+            <a:r>
+              <a:rPr lang="pl-PL" dirty="0" smtClean="0"/>
+              <a:t> .</a:t>
+            </a:r>
+            <a:r>
+              <a:rPr lang="pl-PL" dirty="0" err="1" smtClean="0"/>
+              <a:t>ct</a:t>
+            </a:r>
+            <a:r>
+              <a:rPr lang="pl-PL" dirty="0" smtClean="0"/>
+              <a:t> .</a:t>
+            </a:r>
+            <a:r>
+              <a:rPr lang="pl-PL" smtClean="0"/>
+              <a:t>dot)</a:t>
+            </a:r>
+            <a:endParaRPr lang="pl-PL" dirty="0" smtClean="0"/>
           </a:p>
           <a:p>
             <a:pPr marL="457200" indent="-457200">

--- a/Prezentacja nr1.pptx
+++ b/Prezentacja nr1.pptx
@@ -12,6 +12,7 @@
     <p:sldId id="260" r:id="rId6"/>
     <p:sldId id="262" r:id="rId7"/>
     <p:sldId id="263" r:id="rId8"/>
+    <p:sldId id="264" r:id="rId9"/>
   </p:sldIdLst>
   <p:sldSz cx="12192000" cy="6858000"/>
   <p:notesSz cx="6858000" cy="9144000"/>
@@ -4769,8 +4770,20 @@
             </a:pPr>
             <a:r>
               <a:rPr lang="pl-PL" dirty="0" smtClean="0"/>
-              <a:t>Wczytanie pliku</a:t>
-            </a:r>
+              <a:t>Wczytanie </a:t>
+            </a:r>
+            <a:r>
+              <a:rPr lang="pl-PL" dirty="0" smtClean="0"/>
+              <a:t>pliku</a:t>
+            </a:r>
+          </a:p>
+          <a:p>
+            <a:pPr lvl="1"/>
+            <a:r>
+              <a:rPr lang="pl-PL" dirty="0" smtClean="0"/>
+              <a:t>Plik zostanie wczytany z wiersza poleceń jako argument</a:t>
+            </a:r>
+            <a:endParaRPr lang="pl-PL" dirty="0" smtClean="0"/>
           </a:p>
           <a:p>
             <a:pPr marL="457200" indent="-457200">
@@ -4803,7 +4816,11 @@
             </a:pPr>
             <a:r>
               <a:rPr lang="pl-PL" dirty="0" smtClean="0"/>
-              <a:t>Wybór funkcji konwertujących</a:t>
+              <a:t>Dobór </a:t>
+            </a:r>
+            <a:r>
+              <a:rPr lang="pl-PL" dirty="0" smtClean="0"/>
+              <a:t>funkcji konwertujących</a:t>
             </a:r>
           </a:p>
           <a:p>
@@ -4821,8 +4838,29 @@
             <a:pPr lvl="1"/>
             <a:r>
               <a:rPr lang="pl-PL" dirty="0" smtClean="0"/>
-              <a:t>Wybór pomiędzy zapisem wszystkich formatów lub jednego wybranego</a:t>
-            </a:r>
+              <a:t>Wybór pomiędzy </a:t>
+            </a:r>
+            <a:r>
+              <a:rPr lang="pl-PL" dirty="0" smtClean="0"/>
+              <a:t>zapisem we </a:t>
+            </a:r>
+            <a:r>
+              <a:rPr lang="pl-PL" dirty="0" smtClean="0"/>
+              <a:t>wszystkich </a:t>
+            </a:r>
+            <a:r>
+              <a:rPr lang="pl-PL" dirty="0" smtClean="0"/>
+              <a:t>formatach </a:t>
+            </a:r>
+            <a:r>
+              <a:rPr lang="pl-PL" dirty="0" smtClean="0"/>
+              <a:t>lub </a:t>
+            </a:r>
+            <a:r>
+              <a:rPr lang="pl-PL" dirty="0" smtClean="0"/>
+              <a:t>jednym wybranym</a:t>
+            </a:r>
+            <a:endParaRPr lang="pl-PL" dirty="0" smtClean="0"/>
           </a:p>
         </p:txBody>
       </p:sp>
@@ -4891,7 +4929,9 @@
         </p:nvSpPr>
         <p:spPr/>
         <p:txBody>
-          <a:bodyPr/>
+          <a:bodyPr>
+            <a:normAutofit lnSpcReduction="10000"/>
+          </a:bodyPr>
           <a:lstStyle/>
           <a:p>
             <a:pPr marL="457200" indent="-457200">
@@ -4910,7 +4950,7 @@
               <a:t>Poprawna zawartość w przypadku </a:t>
             </a:r>
             <a:r>
-              <a:rPr lang="pl-PL" b="1" dirty="0" err="1" smtClean="0"/>
+              <a:rPr lang="pl-PL" b="1" dirty="0" smtClean="0"/>
               <a:t>dot-bracket</a:t>
             </a:r>
             <a:r>
@@ -4918,12 +4958,12 @@
               <a:t> to trzy linijki, </a:t>
             </a:r>
             <a:r>
-              <a:rPr lang="pl-PL" dirty="0" err="1" smtClean="0"/>
-              <a:t>wktórych</a:t>
-            </a:r>
-            <a:r>
-              <a:rPr lang="pl-PL" dirty="0" smtClean="0"/>
-              <a:t> odpowiednio znajduje się: podpis sekwencji, sekwencja, łańcuch kropkowo-nawiasowy. Dla </a:t>
+              <a:rPr lang="pl-PL" dirty="0" smtClean="0"/>
+              <a:t>w których </a:t>
+            </a:r>
+            <a:r>
+              <a:rPr lang="pl-PL" dirty="0" smtClean="0"/>
+              <a:t>odpowiednio znajduje się: podpis sekwencji, sekwencja, łańcuch kropkowo-nawiasowy. Dla </a:t>
             </a:r>
             <a:r>
               <a:rPr lang="pl-PL" b="1" dirty="0" err="1" smtClean="0"/>
@@ -4943,7 +4983,15 @@
             </a:r>
             <a:r>
               <a:rPr lang="pl-PL" dirty="0" smtClean="0"/>
-              <a:t>będzie to linijka z podpisem oraz odpowiednia, wymagana liczba kolumn dla danego formatu jak i wierszy. Wymagane odstępy pomiędzy wartościami w wierszu.</a:t>
+              <a:t>będzie to linijka z podpisem oraz odpowiednia, wymagana liczba kolumn dla danego formatu jak i </a:t>
+            </a:r>
+            <a:r>
+              <a:rPr lang="pl-PL" dirty="0" smtClean="0"/>
+              <a:t>wierszy świadczących o długości sekwencji. </a:t>
+            </a:r>
+            <a:r>
+              <a:rPr lang="pl-PL" dirty="0" smtClean="0"/>
+              <a:t>Wymagane odstępy pomiędzy wartościami w wierszu.</a:t>
             </a:r>
           </a:p>
           <a:p>
@@ -4960,11 +5008,7 @@
             <a:pPr lvl="1"/>
             <a:r>
               <a:rPr lang="pl-PL" dirty="0" smtClean="0"/>
-              <a:t>Nagłówek </a:t>
-            </a:r>
-            <a:r>
-              <a:rPr lang="pl-PL" dirty="0" smtClean="0"/>
-              <a:t>po znaku ”&gt;” zawiera tytuł oraz po kropce odpowiednie rozszerzenie (.</a:t>
+              <a:t>Nagłówek po znaku ”&gt;” zawiera tytuł oraz po kropce odpowiednie rozszerzenie (.</a:t>
             </a:r>
             <a:r>
               <a:rPr lang="pl-PL" dirty="0" err="1" smtClean="0"/>
@@ -4980,11 +5024,19 @@
             </a:r>
             <a:r>
               <a:rPr lang="pl-PL" dirty="0" smtClean="0"/>
-              <a:t> .</a:t>
-            </a:r>
-            <a:r>
-              <a:rPr lang="pl-PL" smtClean="0"/>
-              <a:t>dot)</a:t>
+              <a:t> </a:t>
+            </a:r>
+            <a:r>
+              <a:rPr lang="pl-PL" dirty="0" smtClean="0"/>
+              <a:t>.</a:t>
+            </a:r>
+            <a:r>
+              <a:rPr lang="pl-PL" dirty="0" err="1" smtClean="0"/>
+              <a:t>dbn</a:t>
+            </a:r>
+            <a:r>
+              <a:rPr lang="pl-PL" dirty="0" smtClean="0"/>
+              <a:t>)</a:t>
             </a:r>
             <a:endParaRPr lang="pl-PL" dirty="0" smtClean="0"/>
           </a:p>
@@ -5025,19 +5077,63 @@
             <a:pPr lvl="1"/>
             <a:r>
               <a:rPr lang="pl-PL" dirty="0" smtClean="0"/>
-              <a:t>”[]” </a:t>
+              <a:t>”[], {}, &lt;&gt;, Aa, </a:t>
+            </a:r>
+            <a:r>
+              <a:rPr lang="pl-PL" dirty="0" err="1" smtClean="0"/>
+              <a:t>Bb</a:t>
+            </a:r>
+            <a:r>
+              <a:rPr lang="pl-PL" dirty="0" smtClean="0"/>
+              <a:t>, </a:t>
+            </a:r>
+            <a:r>
+              <a:rPr lang="pl-PL" dirty="0" err="1" smtClean="0"/>
+              <a:t>Cc</a:t>
+            </a:r>
+            <a:r>
+              <a:rPr lang="pl-PL" dirty="0" smtClean="0"/>
+              <a:t>, </a:t>
+            </a:r>
+            <a:r>
+              <a:rPr lang="pl-PL" dirty="0" err="1" smtClean="0"/>
+              <a:t>Dd</a:t>
+            </a:r>
+            <a:r>
+              <a:rPr lang="pl-PL" dirty="0" smtClean="0"/>
+              <a:t>, </a:t>
+            </a:r>
+            <a:r>
+              <a:rPr lang="pl-PL" dirty="0" err="1" smtClean="0"/>
+              <a:t>Ee</a:t>
+            </a:r>
+            <a:r>
+              <a:rPr lang="pl-PL" dirty="0" smtClean="0"/>
+              <a:t>, </a:t>
+            </a:r>
+            <a:r>
+              <a:rPr lang="pl-PL" dirty="0" err="1" smtClean="0"/>
+              <a:t>Ff</a:t>
+            </a:r>
+            <a:r>
+              <a:rPr lang="pl-PL" dirty="0" smtClean="0"/>
+              <a:t>, </a:t>
+            </a:r>
+            <a:r>
+              <a:rPr lang="pl-PL" dirty="0" err="1" smtClean="0"/>
+              <a:t>Gg</a:t>
+            </a:r>
+            <a:r>
+              <a:rPr lang="pl-PL" dirty="0" smtClean="0"/>
+              <a:t>” </a:t>
             </a:r>
             <a:r>
               <a:rPr lang="pl-PL" dirty="0"/>
               <a:t>– oznaczać będzie </a:t>
             </a:r>
             <a:r>
-              <a:rPr lang="pl-PL" dirty="0" err="1" smtClean="0"/>
-              <a:t>pseudowęzeł</a:t>
-            </a:r>
-            <a:r>
-              <a:rPr lang="pl-PL" dirty="0" smtClean="0"/>
-              <a:t> stopnia pierwszego</a:t>
+              <a:rPr lang="pl-PL" dirty="0" smtClean="0"/>
+              <a:t>pseudowęzły odpowiednio od stopnia pierwszego do stopnia dziesiątego</a:t>
             </a:r>
             <a:endParaRPr lang="pl-PL" dirty="0"/>
           </a:p>
@@ -5051,6 +5147,176 @@
     <p:extLst>
       <p:ext uri="{BB962C8B-B14F-4D97-AF65-F5344CB8AC3E}">
         <p14:creationId xmlns:p14="http://schemas.microsoft.com/office/powerpoint/2010/main" val="1317322326"/>
+      </p:ext>
+    </p:extLst>
+  </p:cSld>
+  <p:clrMapOvr>
+    <a:masterClrMapping/>
+  </p:clrMapOvr>
+</p:sld>
+</file>
+
+<file path=ppt/slides/slide8.xml><?xml version="1.0" encoding="utf-8"?>
+<p:sld xmlns:a="http://schemas.openxmlformats.org/drawingml/2006/main" xmlns:r="http://schemas.openxmlformats.org/officeDocument/2006/relationships" xmlns:p="http://schemas.openxmlformats.org/presentationml/2006/main">
+  <p:cSld>
+    <p:spTree>
+      <p:nvGrpSpPr>
+        <p:cNvPr id="1" name=""/>
+        <p:cNvGrpSpPr/>
+        <p:nvPr/>
+      </p:nvGrpSpPr>
+      <p:grpSpPr>
+        <a:xfrm>
+          <a:off x="0" y="0"/>
+          <a:ext cx="0" cy="0"/>
+          <a:chOff x="0" y="0"/>
+          <a:chExt cx="0" cy="0"/>
+        </a:xfrm>
+      </p:grpSpPr>
+      <p:sp>
+        <p:nvSpPr>
+          <p:cNvPr id="2" name="Tytuł 1"/>
+          <p:cNvSpPr>
+            <a:spLocks noGrp="1"/>
+          </p:cNvSpPr>
+          <p:nvPr>
+            <p:ph type="title"/>
+          </p:nvPr>
+        </p:nvSpPr>
+        <p:spPr/>
+        <p:txBody>
+          <a:bodyPr/>
+          <a:lstStyle/>
+          <a:p>
+            <a:r>
+              <a:rPr lang="pl-PL" dirty="0" smtClean="0"/>
+              <a:t>Możliwe błędy</a:t>
+            </a:r>
+            <a:endParaRPr lang="pl-PL" dirty="0"/>
+          </a:p>
+        </p:txBody>
+      </p:sp>
+      <p:sp>
+        <p:nvSpPr>
+          <p:cNvPr id="3" name="Symbol zastępczy zawartości 2"/>
+          <p:cNvSpPr>
+            <a:spLocks noGrp="1"/>
+          </p:cNvSpPr>
+          <p:nvPr>
+            <p:ph idx="1"/>
+          </p:nvPr>
+        </p:nvSpPr>
+        <p:spPr/>
+        <p:txBody>
+          <a:bodyPr/>
+          <a:lstStyle/>
+          <a:p>
+            <a:r>
+              <a:rPr lang="pl-PL" dirty="0" smtClean="0"/>
+              <a:t>Głównym problemem będzie poprawność pliku zadanego na wstępie:</a:t>
+            </a:r>
+          </a:p>
+          <a:p>
+            <a:pPr marL="617220" lvl="1" indent="-342900">
+              <a:buFont typeface="+mj-lt"/>
+              <a:buAutoNum type="arabicPeriod"/>
+            </a:pPr>
+            <a:r>
+              <a:rPr lang="pl-PL" dirty="0" smtClean="0"/>
+              <a:t>Brak poprawnego nagłówka lub niezgodnego z danymi zawartymi poniżej</a:t>
+            </a:r>
+          </a:p>
+          <a:p>
+            <a:pPr marL="617220" lvl="1" indent="-342900">
+              <a:buFont typeface="+mj-lt"/>
+              <a:buAutoNum type="arabicPeriod"/>
+            </a:pPr>
+            <a:r>
+              <a:rPr lang="pl-PL" dirty="0" smtClean="0"/>
+              <a:t>Zawartość główna</a:t>
+            </a:r>
+          </a:p>
+          <a:p>
+            <a:pPr lvl="2"/>
+            <a:r>
+              <a:rPr lang="pl-PL" dirty="0" smtClean="0"/>
+              <a:t>Dla</a:t>
+            </a:r>
+            <a:r>
+              <a:rPr lang="pl-PL" b="1" dirty="0" smtClean="0"/>
+              <a:t> .</a:t>
+            </a:r>
+            <a:r>
+              <a:rPr lang="pl-PL" b="1" dirty="0" err="1" smtClean="0"/>
+              <a:t>ct</a:t>
+            </a:r>
+            <a:r>
+              <a:rPr lang="pl-PL" b="1" dirty="0" smtClean="0"/>
+              <a:t> </a:t>
+            </a:r>
+            <a:r>
+              <a:rPr lang="pl-PL" dirty="0" smtClean="0"/>
+              <a:t>i </a:t>
+            </a:r>
+            <a:r>
+              <a:rPr lang="pl-PL" b="1" dirty="0" smtClean="0"/>
+              <a:t>.</a:t>
+            </a:r>
+            <a:r>
+              <a:rPr lang="pl-PL" b="1" dirty="0" err="1" smtClean="0"/>
+              <a:t>bpseq</a:t>
+            </a:r>
+            <a:r>
+              <a:rPr lang="pl-PL" b="1" dirty="0" smtClean="0"/>
+              <a:t> </a:t>
+            </a:r>
+            <a:r>
+              <a:rPr lang="pl-PL" dirty="0" smtClean="0"/>
+              <a:t>będą to problemy związane z liczbą kolumn lub z połączeniami, które nie mogą występować (powtórzenia)</a:t>
+            </a:r>
+          </a:p>
+          <a:p>
+            <a:pPr lvl="2"/>
+            <a:r>
+              <a:rPr lang="pl-PL" dirty="0" smtClean="0"/>
+              <a:t>Dla </a:t>
+            </a:r>
+            <a:r>
+              <a:rPr lang="pl-PL" b="1" dirty="0" smtClean="0"/>
+              <a:t>.</a:t>
+            </a:r>
+            <a:r>
+              <a:rPr lang="pl-PL" b="1" dirty="0" err="1" smtClean="0"/>
+              <a:t>dbn</a:t>
+            </a:r>
+            <a:r>
+              <a:rPr lang="pl-PL" b="1" dirty="0" smtClean="0"/>
+              <a:t> </a:t>
+            </a:r>
+            <a:r>
+              <a:rPr lang="pl-PL" dirty="0" smtClean="0"/>
+              <a:t>będzie to sytuacja gdzie niezgodna jest długość sekwencji do łańcucha  struktury lub występują nieprawidłowe ,,otwarcia, zamknięcia,, nawiasów. Problem także z ustaleniem </a:t>
+            </a:r>
+            <a:r>
+              <a:rPr lang="pl-PL" dirty="0" err="1" smtClean="0"/>
+              <a:t>nawiasowania</a:t>
+            </a:r>
+            <a:r>
+              <a:rPr lang="pl-PL" dirty="0" smtClean="0"/>
+              <a:t> w przypadku wysokiej rzędowości </a:t>
+            </a:r>
+            <a:r>
+              <a:rPr lang="pl-PL" dirty="0" err="1" smtClean="0"/>
+              <a:t>pseudowęzłów</a:t>
+            </a:r>
+            <a:endParaRPr lang="pl-PL" dirty="0"/>
+          </a:p>
+        </p:txBody>
+      </p:sp>
+    </p:spTree>
+    <p:extLst>
+      <p:ext uri="{BB962C8B-B14F-4D97-AF65-F5344CB8AC3E}">
+        <p14:creationId xmlns:p14="http://schemas.microsoft.com/office/powerpoint/2010/main" val="3726089810"/>
       </p:ext>
     </p:extLst>
   </p:cSld>
